--- a/Documents/Research Poster.pptx
+++ b/Documents/Research Poster.pptx
@@ -206,7 +206,7 @@
           <a:p>
             <a:fld id="{AED6AE0B-7495-4AEA-A05C-11E53CFEC7F1}" type="datetimeFigureOut">
               <a:rPr lang="en-IE" smtClean="0"/>
-              <a:t>25/10/2024</a:t>
+              <a:t>05/12/2024</a:t>
             </a:fld>
             <a:endParaRPr lang="en-IE"/>
           </a:p>
@@ -1280,7 +1280,7 @@
           <a:p>
             <a:fld id="{02AC24A9-CCB6-4F8D-B8DB-C2F3692CFA5A}" type="datetimeFigureOut">
               <a:rPr lang="en-US" smtClean="0"/>
-              <a:t>10/25/2024</a:t>
+              <a:t>12/5/2024</a:t>
             </a:fld>
             <a:endParaRPr lang="en-US" dirty="0"/>
           </a:p>
@@ -1531,7 +1531,7 @@
           <a:p>
             <a:fld id="{02AC24A9-CCB6-4F8D-B8DB-C2F3692CFA5A}" type="datetimeFigureOut">
               <a:rPr lang="en-US" smtClean="0"/>
-              <a:t>10/25/2024</a:t>
+              <a:t>12/5/2024</a:t>
             </a:fld>
             <a:endParaRPr lang="en-US"/>
           </a:p>
@@ -1845,7 +1845,7 @@
           <a:p>
             <a:fld id="{02AC24A9-CCB6-4F8D-B8DB-C2F3692CFA5A}" type="datetimeFigureOut">
               <a:rPr lang="en-US" smtClean="0"/>
-              <a:t>10/25/2024</a:t>
+              <a:t>12/5/2024</a:t>
             </a:fld>
             <a:endParaRPr lang="en-US"/>
           </a:p>
@@ -2186,7 +2186,7 @@
           <a:p>
             <a:fld id="{02AC24A9-CCB6-4F8D-B8DB-C2F3692CFA5A}" type="datetimeFigureOut">
               <a:rPr lang="en-US" smtClean="0"/>
-              <a:t>10/25/2024</a:t>
+              <a:t>12/5/2024</a:t>
             </a:fld>
             <a:endParaRPr lang="en-US"/>
           </a:p>
@@ -2500,7 +2500,7 @@
           <a:p>
             <a:fld id="{02AC24A9-CCB6-4F8D-B8DB-C2F3692CFA5A}" type="datetimeFigureOut">
               <a:rPr lang="en-US" smtClean="0"/>
-              <a:t>10/25/2024</a:t>
+              <a:t>12/5/2024</a:t>
             </a:fld>
             <a:endParaRPr lang="en-US"/>
           </a:p>
@@ -2893,7 +2893,7 @@
           <a:p>
             <a:fld id="{02AC24A9-CCB6-4F8D-B8DB-C2F3692CFA5A}" type="datetimeFigureOut">
               <a:rPr lang="en-US" smtClean="0"/>
-              <a:t>10/25/2024</a:t>
+              <a:t>12/5/2024</a:t>
             </a:fld>
             <a:endParaRPr lang="en-US"/>
           </a:p>
@@ -3063,7 +3063,7 @@
           <a:p>
             <a:fld id="{02AC24A9-CCB6-4F8D-B8DB-C2F3692CFA5A}" type="datetimeFigureOut">
               <a:rPr lang="en-US" smtClean="0"/>
-              <a:t>10/25/2024</a:t>
+              <a:t>12/5/2024</a:t>
             </a:fld>
             <a:endParaRPr lang="en-US"/>
           </a:p>
@@ -3243,7 +3243,7 @@
           <a:p>
             <a:fld id="{02AC24A9-CCB6-4F8D-B8DB-C2F3692CFA5A}" type="datetimeFigureOut">
               <a:rPr lang="en-US" smtClean="0"/>
-              <a:t>10/25/2024</a:t>
+              <a:t>12/5/2024</a:t>
             </a:fld>
             <a:endParaRPr lang="en-US"/>
           </a:p>
@@ -3419,7 +3419,7 @@
           <a:p>
             <a:fld id="{02AC24A9-CCB6-4F8D-B8DB-C2F3692CFA5A}" type="datetimeFigureOut">
               <a:rPr lang="en-US" smtClean="0"/>
-              <a:t>10/25/2024</a:t>
+              <a:t>12/5/2024</a:t>
             </a:fld>
             <a:endParaRPr lang="en-US"/>
           </a:p>
@@ -3666,7 +3666,7 @@
           <a:p>
             <a:fld id="{02AC24A9-CCB6-4F8D-B8DB-C2F3692CFA5A}" type="datetimeFigureOut">
               <a:rPr lang="en-US" smtClean="0"/>
-              <a:t>10/25/2024</a:t>
+              <a:t>12/5/2024</a:t>
             </a:fld>
             <a:endParaRPr lang="en-US"/>
           </a:p>
@@ -3898,7 +3898,7 @@
           <a:p>
             <a:fld id="{02AC24A9-CCB6-4F8D-B8DB-C2F3692CFA5A}" type="datetimeFigureOut">
               <a:rPr lang="en-US" smtClean="0"/>
-              <a:t>10/25/2024</a:t>
+              <a:t>12/5/2024</a:t>
             </a:fld>
             <a:endParaRPr lang="en-US"/>
           </a:p>
@@ -4272,7 +4272,7 @@
           <a:p>
             <a:fld id="{02AC24A9-CCB6-4F8D-B8DB-C2F3692CFA5A}" type="datetimeFigureOut">
               <a:rPr lang="en-US" smtClean="0"/>
-              <a:t>10/25/2024</a:t>
+              <a:t>12/5/2024</a:t>
             </a:fld>
             <a:endParaRPr lang="en-US"/>
           </a:p>
@@ -4395,7 +4395,7 @@
           <a:p>
             <a:fld id="{02AC24A9-CCB6-4F8D-B8DB-C2F3692CFA5A}" type="datetimeFigureOut">
               <a:rPr lang="en-US" smtClean="0"/>
-              <a:t>10/25/2024</a:t>
+              <a:t>12/5/2024</a:t>
             </a:fld>
             <a:endParaRPr lang="en-US"/>
           </a:p>
@@ -4490,7 +4490,7 @@
           <a:p>
             <a:fld id="{02AC24A9-CCB6-4F8D-B8DB-C2F3692CFA5A}" type="datetimeFigureOut">
               <a:rPr lang="en-US" smtClean="0"/>
-              <a:t>10/25/2024</a:t>
+              <a:t>12/5/2024</a:t>
             </a:fld>
             <a:endParaRPr lang="en-US"/>
           </a:p>
@@ -4745,7 +4745,7 @@
           <a:p>
             <a:fld id="{02AC24A9-CCB6-4F8D-B8DB-C2F3692CFA5A}" type="datetimeFigureOut">
               <a:rPr lang="en-US" smtClean="0"/>
-              <a:t>10/25/2024</a:t>
+              <a:t>12/5/2024</a:t>
             </a:fld>
             <a:endParaRPr lang="en-US" dirty="0"/>
           </a:p>
@@ -5008,7 +5008,7 @@
           <a:p>
             <a:fld id="{02AC24A9-CCB6-4F8D-B8DB-C2F3692CFA5A}" type="datetimeFigureOut">
               <a:rPr lang="en-US" smtClean="0"/>
-              <a:t>10/25/2024</a:t>
+              <a:t>12/5/2024</a:t>
             </a:fld>
             <a:endParaRPr lang="en-US"/>
           </a:p>
@@ -5756,7 +5756,7 @@
           <a:p>
             <a:fld id="{02AC24A9-CCB6-4F8D-B8DB-C2F3692CFA5A}" type="datetimeFigureOut">
               <a:rPr lang="en-US" smtClean="0"/>
-              <a:t>10/25/2024</a:t>
+              <a:t>12/5/2024</a:t>
             </a:fld>
             <a:endParaRPr lang="en-US"/>
           </a:p>
@@ -6362,7 +6362,14 @@
                 <a:latin typeface="Times New Roman" panose="02020603050405020304" pitchFamily="18" charset="0"/>
                 <a:cs typeface="Times New Roman" panose="02020603050405020304" pitchFamily="18" charset="0"/>
               </a:rPr>
-              <a:t>By Qadeer Hussain  Date: 25/10/2024</a:t>
+              <a:t>By Qadeer Hussain  Date</a:t>
+            </a:r>
+            <a:r>
+              <a:rPr lang="en-IE" sz="2400">
+                <a:latin typeface="Times New Roman" panose="02020603050405020304" pitchFamily="18" charset="0"/>
+                <a:cs typeface="Times New Roman" panose="02020603050405020304" pitchFamily="18" charset="0"/>
+              </a:rPr>
+              <a:t>: 06/12/2024</a:t>
             </a:r>
             <a:endParaRPr lang="en-IE" sz="2800" dirty="0">
               <a:latin typeface="Times New Roman" panose="02020603050405020304" pitchFamily="18" charset="0"/>
@@ -6480,7 +6487,7 @@
                 <a:latin typeface="Times New Roman" panose="02020603050405020304" pitchFamily="18" charset="0"/>
                 <a:cs typeface="Times New Roman" panose="02020603050405020304" pitchFamily="18" charset="0"/>
               </a:rPr>
-              <a:t>Implementing Security</a:t>
+              <a:t>Security Implementation</a:t>
             </a:r>
           </a:p>
           <a:p>

--- a/Documents/Research Poster.pptx
+++ b/Documents/Research Poster.pptx
@@ -206,7 +206,7 @@
           <a:p>
             <a:fld id="{AED6AE0B-7495-4AEA-A05C-11E53CFEC7F1}" type="datetimeFigureOut">
               <a:rPr lang="en-IE" smtClean="0"/>
-              <a:t>05/12/2024</a:t>
+              <a:t>06/12/2024</a:t>
             </a:fld>
             <a:endParaRPr lang="en-IE"/>
           </a:p>
@@ -1280,7 +1280,7 @@
           <a:p>
             <a:fld id="{02AC24A9-CCB6-4F8D-B8DB-C2F3692CFA5A}" type="datetimeFigureOut">
               <a:rPr lang="en-US" smtClean="0"/>
-              <a:t>12/5/2024</a:t>
+              <a:t>12/6/2024</a:t>
             </a:fld>
             <a:endParaRPr lang="en-US" dirty="0"/>
           </a:p>
@@ -1531,7 +1531,7 @@
           <a:p>
             <a:fld id="{02AC24A9-CCB6-4F8D-B8DB-C2F3692CFA5A}" type="datetimeFigureOut">
               <a:rPr lang="en-US" smtClean="0"/>
-              <a:t>12/5/2024</a:t>
+              <a:t>12/6/2024</a:t>
             </a:fld>
             <a:endParaRPr lang="en-US"/>
           </a:p>
@@ -1845,7 +1845,7 @@
           <a:p>
             <a:fld id="{02AC24A9-CCB6-4F8D-B8DB-C2F3692CFA5A}" type="datetimeFigureOut">
               <a:rPr lang="en-US" smtClean="0"/>
-              <a:t>12/5/2024</a:t>
+              <a:t>12/6/2024</a:t>
             </a:fld>
             <a:endParaRPr lang="en-US"/>
           </a:p>
@@ -2186,7 +2186,7 @@
           <a:p>
             <a:fld id="{02AC24A9-CCB6-4F8D-B8DB-C2F3692CFA5A}" type="datetimeFigureOut">
               <a:rPr lang="en-US" smtClean="0"/>
-              <a:t>12/5/2024</a:t>
+              <a:t>12/6/2024</a:t>
             </a:fld>
             <a:endParaRPr lang="en-US"/>
           </a:p>
@@ -2500,7 +2500,7 @@
           <a:p>
             <a:fld id="{02AC24A9-CCB6-4F8D-B8DB-C2F3692CFA5A}" type="datetimeFigureOut">
               <a:rPr lang="en-US" smtClean="0"/>
-              <a:t>12/5/2024</a:t>
+              <a:t>12/6/2024</a:t>
             </a:fld>
             <a:endParaRPr lang="en-US"/>
           </a:p>
@@ -2893,7 +2893,7 @@
           <a:p>
             <a:fld id="{02AC24A9-CCB6-4F8D-B8DB-C2F3692CFA5A}" type="datetimeFigureOut">
               <a:rPr lang="en-US" smtClean="0"/>
-              <a:t>12/5/2024</a:t>
+              <a:t>12/6/2024</a:t>
             </a:fld>
             <a:endParaRPr lang="en-US"/>
           </a:p>
@@ -3063,7 +3063,7 @@
           <a:p>
             <a:fld id="{02AC24A9-CCB6-4F8D-B8DB-C2F3692CFA5A}" type="datetimeFigureOut">
               <a:rPr lang="en-US" smtClean="0"/>
-              <a:t>12/5/2024</a:t>
+              <a:t>12/6/2024</a:t>
             </a:fld>
             <a:endParaRPr lang="en-US"/>
           </a:p>
@@ -3243,7 +3243,7 @@
           <a:p>
             <a:fld id="{02AC24A9-CCB6-4F8D-B8DB-C2F3692CFA5A}" type="datetimeFigureOut">
               <a:rPr lang="en-US" smtClean="0"/>
-              <a:t>12/5/2024</a:t>
+              <a:t>12/6/2024</a:t>
             </a:fld>
             <a:endParaRPr lang="en-US"/>
           </a:p>
@@ -3419,7 +3419,7 @@
           <a:p>
             <a:fld id="{02AC24A9-CCB6-4F8D-B8DB-C2F3692CFA5A}" type="datetimeFigureOut">
               <a:rPr lang="en-US" smtClean="0"/>
-              <a:t>12/5/2024</a:t>
+              <a:t>12/6/2024</a:t>
             </a:fld>
             <a:endParaRPr lang="en-US"/>
           </a:p>
@@ -3666,7 +3666,7 @@
           <a:p>
             <a:fld id="{02AC24A9-CCB6-4F8D-B8DB-C2F3692CFA5A}" type="datetimeFigureOut">
               <a:rPr lang="en-US" smtClean="0"/>
-              <a:t>12/5/2024</a:t>
+              <a:t>12/6/2024</a:t>
             </a:fld>
             <a:endParaRPr lang="en-US"/>
           </a:p>
@@ -3898,7 +3898,7 @@
           <a:p>
             <a:fld id="{02AC24A9-CCB6-4F8D-B8DB-C2F3692CFA5A}" type="datetimeFigureOut">
               <a:rPr lang="en-US" smtClean="0"/>
-              <a:t>12/5/2024</a:t>
+              <a:t>12/6/2024</a:t>
             </a:fld>
             <a:endParaRPr lang="en-US"/>
           </a:p>
@@ -4272,7 +4272,7 @@
           <a:p>
             <a:fld id="{02AC24A9-CCB6-4F8D-B8DB-C2F3692CFA5A}" type="datetimeFigureOut">
               <a:rPr lang="en-US" smtClean="0"/>
-              <a:t>12/5/2024</a:t>
+              <a:t>12/6/2024</a:t>
             </a:fld>
             <a:endParaRPr lang="en-US"/>
           </a:p>
@@ -4395,7 +4395,7 @@
           <a:p>
             <a:fld id="{02AC24A9-CCB6-4F8D-B8DB-C2F3692CFA5A}" type="datetimeFigureOut">
               <a:rPr lang="en-US" smtClean="0"/>
-              <a:t>12/5/2024</a:t>
+              <a:t>12/6/2024</a:t>
             </a:fld>
             <a:endParaRPr lang="en-US"/>
           </a:p>
@@ -4490,7 +4490,7 @@
           <a:p>
             <a:fld id="{02AC24A9-CCB6-4F8D-B8DB-C2F3692CFA5A}" type="datetimeFigureOut">
               <a:rPr lang="en-US" smtClean="0"/>
-              <a:t>12/5/2024</a:t>
+              <a:t>12/6/2024</a:t>
             </a:fld>
             <a:endParaRPr lang="en-US"/>
           </a:p>
@@ -4745,7 +4745,7 @@
           <a:p>
             <a:fld id="{02AC24A9-CCB6-4F8D-B8DB-C2F3692CFA5A}" type="datetimeFigureOut">
               <a:rPr lang="en-US" smtClean="0"/>
-              <a:t>12/5/2024</a:t>
+              <a:t>12/6/2024</a:t>
             </a:fld>
             <a:endParaRPr lang="en-US" dirty="0"/>
           </a:p>
@@ -5008,7 +5008,7 @@
           <a:p>
             <a:fld id="{02AC24A9-CCB6-4F8D-B8DB-C2F3692CFA5A}" type="datetimeFigureOut">
               <a:rPr lang="en-US" smtClean="0"/>
-              <a:t>12/5/2024</a:t>
+              <a:t>12/6/2024</a:t>
             </a:fld>
             <a:endParaRPr lang="en-US"/>
           </a:p>
@@ -5756,7 +5756,7 @@
           <a:p>
             <a:fld id="{02AC24A9-CCB6-4F8D-B8DB-C2F3692CFA5A}" type="datetimeFigureOut">
               <a:rPr lang="en-US" smtClean="0"/>
-              <a:t>12/5/2024</a:t>
+              <a:t>12/6/2024</a:t>
             </a:fld>
             <a:endParaRPr lang="en-US"/>
           </a:p>
@@ -6433,7 +6433,7 @@
         </p:nvSpPr>
         <p:spPr>
           <a:xfrm>
-            <a:off x="184449" y="3696329"/>
+            <a:off x="254526" y="3683387"/>
             <a:ext cx="3378231" cy="1492716"/>
           </a:xfrm>
           <a:prstGeom prst="rect">
@@ -6739,8 +6739,8 @@
         </p:nvSpPr>
         <p:spPr>
           <a:xfrm>
-            <a:off x="3933040" y="1502151"/>
-            <a:ext cx="2624328" cy="1656000"/>
+            <a:off x="3947033" y="1525234"/>
+            <a:ext cx="2624328" cy="1600438"/>
           </a:xfrm>
           <a:prstGeom prst="rect">
             <a:avLst/>
@@ -6812,6 +6812,16 @@
               </a:rPr>
               <a:t>Application designed to cater Admin and Carer.</a:t>
             </a:r>
+          </a:p>
+          <a:p>
+            <a:pPr marL="171450" indent="-171450">
+              <a:buFont typeface="Arial" panose="020B0604020202020204" pitchFamily="34" charset="0"/>
+              <a:buChar char="•"/>
+            </a:pPr>
+            <a:endParaRPr lang="en-IE" sz="1050" dirty="0">
+              <a:latin typeface="Times New Roman" panose="02020603050405020304" pitchFamily="18" charset="0"/>
+              <a:cs typeface="Times New Roman" panose="02020603050405020304" pitchFamily="18" charset="0"/>
+            </a:endParaRPr>
           </a:p>
         </p:txBody>
       </p:sp>
@@ -7423,7 +7433,7 @@
         </p:blipFill>
         <p:spPr bwMode="auto">
           <a:xfrm>
-            <a:off x="1943658" y="5448690"/>
+            <a:off x="2144055" y="5448691"/>
             <a:ext cx="1488702" cy="1015663"/>
           </a:xfrm>
           <a:prstGeom prst="rect">
@@ -7455,7 +7465,7 @@
         </p:nvSpPr>
         <p:spPr>
           <a:xfrm>
-            <a:off x="2417655" y="6415659"/>
+            <a:off x="2529030" y="6438343"/>
             <a:ext cx="607695" cy="222885"/>
           </a:xfrm>
           <a:prstGeom prst="rect">
@@ -7494,7 +7504,7 @@
         <p:spPr>
           <a:xfrm>
             <a:off x="3933040" y="3361032"/>
-            <a:ext cx="2624328" cy="1728000"/>
+            <a:ext cx="2624328" cy="1762021"/>
           </a:xfrm>
           <a:prstGeom prst="rect">
             <a:avLst/>
@@ -7635,6 +7645,34 @@
               <a:latin typeface="Times New Roman" panose="02020603050405020304" pitchFamily="18" charset="0"/>
               <a:cs typeface="Times New Roman" panose="02020603050405020304" pitchFamily="18" charset="0"/>
             </a:endParaRPr>
+          </a:p>
+          <a:p>
+            <a:pPr marL="171450" indent="-171450">
+              <a:buFont typeface="Arial" panose="020B0604020202020204" pitchFamily="34" charset="0"/>
+              <a:buChar char="•"/>
+            </a:pPr>
+            <a:r>
+              <a:rPr lang="en-IE" sz="1050" dirty="0">
+                <a:latin typeface="Times New Roman" panose="02020603050405020304" pitchFamily="18" charset="0"/>
+                <a:cs typeface="Times New Roman" panose="02020603050405020304" pitchFamily="18" charset="0"/>
+              </a:rPr>
+              <a:t>Jupyter Notebook: </a:t>
+            </a:r>
+            <a:r>
+              <a:rPr lang="en-IE" sz="1050" dirty="0">
+                <a:latin typeface="Times New Roman" panose="02020603050405020304" pitchFamily="18" charset="0"/>
+                <a:cs typeface="Times New Roman" panose="02020603050405020304" pitchFamily="18" charset="0"/>
+                <a:hlinkClick r:id="rId16"/>
+              </a:rPr>
+              <a:t>https://jupyter.org/</a:t>
+            </a:r>
+            <a:r>
+              <a:rPr lang="en-IE" sz="1050" dirty="0">
+                <a:latin typeface="Times New Roman" panose="02020603050405020304" pitchFamily="18" charset="0"/>
+                <a:cs typeface="Times New Roman" panose="02020603050405020304" pitchFamily="18" charset="0"/>
+              </a:rPr>
+              <a:t> </a:t>
+            </a:r>
           </a:p>
         </p:txBody>
       </p:sp>
@@ -7653,7 +7691,7 @@
           <p:nvPr/>
         </p:nvPicPr>
         <p:blipFill>
-          <a:blip r:embed="rId16"/>
+          <a:blip r:embed="rId17"/>
           <a:stretch>
             <a:fillRect/>
           </a:stretch>
@@ -7683,7 +7721,7 @@
           <p:nvPr/>
         </p:nvPicPr>
         <p:blipFill>
-          <a:blip r:embed="rId17"/>
+          <a:blip r:embed="rId18"/>
           <a:stretch>
             <a:fillRect/>
           </a:stretch>
